--- a/lectures/4/2_Conducting Causal Research.pptx
+++ b/lectures/4/2_Conducting Causal Research.pptx
@@ -227,7 +227,7 @@
           <a:p>
             <a:fld id="{73B2889B-A0AC-4482-8592-5C96F2309420}" type="datetimeFigureOut">
               <a:rPr lang="en-US" smtClean="0"/>
-              <a:t>7/4/2021</a:t>
+              <a:t>8/27/2021</a:t>
             </a:fld>
             <a:endParaRPr lang="en-US"/>
           </a:p>
@@ -404,7 +404,7 @@
           <a:p>
             <a:fld id="{830EB223-FFC0-462A-A3B8-EAA7CE0F8CBD}" type="datetimeFigureOut">
               <a:rPr lang="en-US" smtClean="0"/>
-              <a:t>7/4/2021</a:t>
+              <a:t>8/27/2021</a:t>
             </a:fld>
             <a:endParaRPr lang="en-US" dirty="0"/>
           </a:p>
@@ -920,7 +920,7 @@
           <a:p>
             <a:fld id="{DECF21A4-E71B-4D3A-AF45-E989C23A7BB1}" type="datetimeFigureOut">
               <a:rPr lang="en-US" smtClean="0"/>
-              <a:t>7/4/2021</a:t>
+              <a:t>8/27/2021</a:t>
             </a:fld>
             <a:endParaRPr lang="en-US" dirty="0"/>
           </a:p>
@@ -1118,7 +1118,7 @@
           <a:p>
             <a:fld id="{DECF21A4-E71B-4D3A-AF45-E989C23A7BB1}" type="datetimeFigureOut">
               <a:rPr lang="en-US" smtClean="0"/>
-              <a:t>7/4/2021</a:t>
+              <a:t>8/27/2021</a:t>
             </a:fld>
             <a:endParaRPr lang="en-US" dirty="0"/>
           </a:p>
@@ -1326,7 +1326,7 @@
           <a:p>
             <a:fld id="{DECF21A4-E71B-4D3A-AF45-E989C23A7BB1}" type="datetimeFigureOut">
               <a:rPr lang="en-US" smtClean="0"/>
-              <a:t>7/4/2021</a:t>
+              <a:t>8/27/2021</a:t>
             </a:fld>
             <a:endParaRPr lang="en-US" dirty="0"/>
           </a:p>
@@ -1524,7 +1524,7 @@
           <a:p>
             <a:fld id="{DECF21A4-E71B-4D3A-AF45-E989C23A7BB1}" type="datetimeFigureOut">
               <a:rPr lang="en-US" smtClean="0"/>
-              <a:t>7/4/2021</a:t>
+              <a:t>8/27/2021</a:t>
             </a:fld>
             <a:endParaRPr lang="en-US" dirty="0"/>
           </a:p>
@@ -1799,7 +1799,7 @@
           <a:p>
             <a:fld id="{DECF21A4-E71B-4D3A-AF45-E989C23A7BB1}" type="datetimeFigureOut">
               <a:rPr lang="en-US" smtClean="0"/>
-              <a:t>7/4/2021</a:t>
+              <a:t>8/27/2021</a:t>
             </a:fld>
             <a:endParaRPr lang="en-US" dirty="0"/>
           </a:p>
@@ -2064,7 +2064,7 @@
           <a:p>
             <a:fld id="{DECF21A4-E71B-4D3A-AF45-E989C23A7BB1}" type="datetimeFigureOut">
               <a:rPr lang="en-US" smtClean="0"/>
-              <a:t>7/4/2021</a:t>
+              <a:t>8/27/2021</a:t>
             </a:fld>
             <a:endParaRPr lang="en-US" dirty="0"/>
           </a:p>
@@ -2476,7 +2476,7 @@
           <a:p>
             <a:fld id="{DECF21A4-E71B-4D3A-AF45-E989C23A7BB1}" type="datetimeFigureOut">
               <a:rPr lang="en-US" smtClean="0"/>
-              <a:t>7/4/2021</a:t>
+              <a:t>8/27/2021</a:t>
             </a:fld>
             <a:endParaRPr lang="en-US" dirty="0"/>
           </a:p>
@@ -2617,7 +2617,7 @@
           <a:p>
             <a:fld id="{DECF21A4-E71B-4D3A-AF45-E989C23A7BB1}" type="datetimeFigureOut">
               <a:rPr lang="en-US" smtClean="0"/>
-              <a:t>7/4/2021</a:t>
+              <a:t>8/27/2021</a:t>
             </a:fld>
             <a:endParaRPr lang="en-US" dirty="0"/>
           </a:p>
@@ -2730,7 +2730,7 @@
           <a:p>
             <a:fld id="{DECF21A4-E71B-4D3A-AF45-E989C23A7BB1}" type="datetimeFigureOut">
               <a:rPr lang="en-US" smtClean="0"/>
-              <a:t>7/4/2021</a:t>
+              <a:t>8/27/2021</a:t>
             </a:fld>
             <a:endParaRPr lang="en-US" dirty="0"/>
           </a:p>
@@ -3041,7 +3041,7 @@
           <a:p>
             <a:fld id="{DECF21A4-E71B-4D3A-AF45-E989C23A7BB1}" type="datetimeFigureOut">
               <a:rPr lang="en-US" smtClean="0"/>
-              <a:t>7/4/2021</a:t>
+              <a:t>8/27/2021</a:t>
             </a:fld>
             <a:endParaRPr lang="en-US" dirty="0"/>
           </a:p>
@@ -3333,7 +3333,7 @@
           <a:p>
             <a:fld id="{DECF21A4-E71B-4D3A-AF45-E989C23A7BB1}" type="datetimeFigureOut">
               <a:rPr lang="en-US" smtClean="0"/>
-              <a:t>7/4/2021</a:t>
+              <a:t>8/27/2021</a:t>
             </a:fld>
             <a:endParaRPr lang="en-US" dirty="0"/>
           </a:p>
@@ -3574,7 +3574,7 @@
           <a:p>
             <a:fld id="{DECF21A4-E71B-4D3A-AF45-E989C23A7BB1}" type="datetimeFigureOut">
               <a:rPr lang="en-US" smtClean="0"/>
-              <a:t>7/4/2021</a:t>
+              <a:t>8/27/2021</a:t>
             </a:fld>
             <a:endParaRPr lang="en-US" dirty="0"/>
           </a:p>
@@ -5831,9 +5831,10 @@
           <a:lstStyle/>
           <a:p>
             <a:r>
-              <a:rPr lang="en-US" dirty="0"/>
-              <a:t>Recap Last Class</a:t>
-            </a:r>
+              <a:rPr lang="en-US"/>
+              <a:t>Recap</a:t>
+            </a:r>
+            <a:endParaRPr lang="en-US" dirty="0"/>
           </a:p>
         </p:txBody>
       </p:sp>
@@ -8072,15 +8073,6 @@
 </file>
 
 <file path=customXml/item1.xml><?xml version="1.0" encoding="utf-8"?>
-<?mso-contentType ?>
-<FormTemplates xmlns="http://schemas.microsoft.com/sharepoint/v3/contenttype/forms">
-  <Display>DocumentLibraryForm</Display>
-  <Edit>DocumentLibraryForm</Edit>
-  <New>DocumentLibraryForm</New>
-</FormTemplates>
-</file>
-
-<file path=customXml/item2.xml><?xml version="1.0" encoding="utf-8"?>
 <ct:contentTypeSchema xmlns:ct="http://schemas.microsoft.com/office/2006/metadata/contentType" xmlns:ma="http://schemas.microsoft.com/office/2006/metadata/properties/metaAttributes" ct:_="" ma:_="" ma:contentTypeName="Document" ma:contentTypeID="0x01010079F111ED35F8CC479449609E8A0923A6" ma:contentTypeVersion="11" ma:contentTypeDescription="Create a new document." ma:contentTypeScope="" ma:versionID="96291512c1ee715ab617f4c07df79fc1">
   <xsd:schema xmlns:xsd="http://www.w3.org/2001/XMLSchema" xmlns:xs="http://www.w3.org/2001/XMLSchema" xmlns:p="http://schemas.microsoft.com/office/2006/metadata/properties" xmlns:ns2="71af3243-3dd4-4a8d-8c0d-dd76da1f02a5" xmlns:ns3="16c05727-aa75-4e4a-9b5f-8a80a1165891" targetNamespace="http://schemas.microsoft.com/office/2006/metadata/properties" ma:root="true" ma:fieldsID="8256c27c40ca5c40ce1cf6c44f0205df" ns2:_="" ns3:_="">
     <xsd:import namespace="71af3243-3dd4-4a8d-8c0d-dd76da1f02a5"/>
@@ -8291,6 +8283,15 @@
 </ct:contentTypeSchema>
 </file>
 
+<file path=customXml/item2.xml><?xml version="1.0" encoding="utf-8"?>
+<?mso-contentType ?>
+<FormTemplates xmlns="http://schemas.microsoft.com/sharepoint/v3/contenttype/forms">
+  <Display>DocumentLibraryForm</Display>
+  <Edit>DocumentLibraryForm</Edit>
+  <New>DocumentLibraryForm</New>
+</FormTemplates>
+</file>
+
 <file path=customXml/item3.xml><?xml version="1.0" encoding="utf-8"?>
 <p:properties xmlns:p="http://schemas.microsoft.com/office/2006/metadata/properties" xmlns:xsi="http://www.w3.org/2001/XMLSchema-instance" xmlns:pc="http://schemas.microsoft.com/office/infopath/2007/PartnerControls">
   <documentManagement>
@@ -8300,14 +8301,6 @@
 </file>
 
 <file path=customXml/itemProps1.xml><?xml version="1.0" encoding="utf-8"?>
-<ds:datastoreItem xmlns:ds="http://schemas.openxmlformats.org/officeDocument/2006/customXml" ds:itemID="{5CA875DA-F9FD-4F83-A049-3B1027B542DE}">
-  <ds:schemaRefs>
-    <ds:schemaRef ds:uri="http://schemas.microsoft.com/sharepoint/v3/contenttype/forms"/>
-  </ds:schemaRefs>
-</ds:datastoreItem>
-</file>
-
-<file path=customXml/itemProps2.xml><?xml version="1.0" encoding="utf-8"?>
 <ds:datastoreItem xmlns:ds="http://schemas.openxmlformats.org/officeDocument/2006/customXml" ds:itemID="{B2AB02E3-5ADF-4BF0-9C1B-35CDF3FE95B0}">
   <ds:schemaRefs>
     <ds:schemaRef ds:uri="http://schemas.microsoft.com/office/2006/metadata/contentType"/>
@@ -8326,6 +8319,14 @@
 </ds:datastoreItem>
 </file>
 
+<file path=customXml/itemProps2.xml><?xml version="1.0" encoding="utf-8"?>
+<ds:datastoreItem xmlns:ds="http://schemas.openxmlformats.org/officeDocument/2006/customXml" ds:itemID="{5CA875DA-F9FD-4F83-A049-3B1027B542DE}">
+  <ds:schemaRefs>
+    <ds:schemaRef ds:uri="http://schemas.microsoft.com/sharepoint/v3/contenttype/forms"/>
+  </ds:schemaRefs>
+</ds:datastoreItem>
+</file>
+
 <file path=customXml/itemProps3.xml><?xml version="1.0" encoding="utf-8"?>
 <ds:datastoreItem xmlns:ds="http://schemas.openxmlformats.org/officeDocument/2006/customXml" ds:itemID="{03C7D9E6-B0D9-433E-BD46-EB60F64F4DA8}">
   <ds:schemaRefs>
